--- a/slides/ML-4.pptx
+++ b/slides/ML-4.pptx
@@ -237,7 +237,7 @@
           <a:p>
             <a:fld id="{75EAC174-86A2-734C-84B0-8C4473464838}" type="datetimeFigureOut">
               <a:rPr lang="en-US" smtClean="0"/>
-              <a:t>2/26/20</a:t>
+              <a:t>3/5/20</a:t>
             </a:fld>
             <a:endParaRPr lang="en-US"/>
           </a:p>
@@ -801,7 +801,7 @@
           <a:p>
             <a:fld id="{01BFD9DC-0DF3-974C-8698-2D21B3AEFAE9}" type="datetimeFigureOut">
               <a:rPr lang="en-US" smtClean="0"/>
-              <a:t>2/26/20</a:t>
+              <a:t>3/5/20</a:t>
             </a:fld>
             <a:endParaRPr lang="en-US"/>
           </a:p>
@@ -1001,7 +1001,7 @@
           <a:p>
             <a:fld id="{01BFD9DC-0DF3-974C-8698-2D21B3AEFAE9}" type="datetimeFigureOut">
               <a:rPr lang="en-US" smtClean="0"/>
-              <a:t>2/26/20</a:t>
+              <a:t>3/5/20</a:t>
             </a:fld>
             <a:endParaRPr lang="en-US"/>
           </a:p>
@@ -1211,7 +1211,7 @@
           <a:p>
             <a:fld id="{01BFD9DC-0DF3-974C-8698-2D21B3AEFAE9}" type="datetimeFigureOut">
               <a:rPr lang="en-US" smtClean="0"/>
-              <a:t>2/26/20</a:t>
+              <a:t>3/5/20</a:t>
             </a:fld>
             <a:endParaRPr lang="en-US"/>
           </a:p>
@@ -2603,7 +2603,7 @@
           <a:p>
             <a:fld id="{01BFD9DC-0DF3-974C-8698-2D21B3AEFAE9}" type="datetimeFigureOut">
               <a:rPr lang="en-US" smtClean="0"/>
-              <a:t>2/26/20</a:t>
+              <a:t>3/5/20</a:t>
             </a:fld>
             <a:endParaRPr lang="en-US"/>
           </a:p>
@@ -4369,7 +4369,7 @@
           <a:p>
             <a:fld id="{01BFD9DC-0DF3-974C-8698-2D21B3AEFAE9}" type="datetimeFigureOut">
               <a:rPr lang="en-US" smtClean="0"/>
-              <a:t>2/26/20</a:t>
+              <a:t>3/5/20</a:t>
             </a:fld>
             <a:endParaRPr lang="en-US"/>
           </a:p>
@@ -6127,7 +6127,7 @@
           <a:p>
             <a:fld id="{01BFD9DC-0DF3-974C-8698-2D21B3AEFAE9}" type="datetimeFigureOut">
               <a:rPr lang="en-US" smtClean="0"/>
-              <a:t>2/26/20</a:t>
+              <a:t>3/5/20</a:t>
             </a:fld>
             <a:endParaRPr lang="en-US"/>
           </a:p>
@@ -7585,7 +7585,7 @@
           <a:p>
             <a:fld id="{01BFD9DC-0DF3-974C-8698-2D21B3AEFAE9}" type="datetimeFigureOut">
               <a:rPr lang="en-US" smtClean="0"/>
-              <a:t>2/26/20</a:t>
+              <a:t>3/5/20</a:t>
             </a:fld>
             <a:endParaRPr lang="en-US"/>
           </a:p>
@@ -7727,7 +7727,7 @@
           <a:p>
             <a:fld id="{01BFD9DC-0DF3-974C-8698-2D21B3AEFAE9}" type="datetimeFigureOut">
               <a:rPr lang="en-US" smtClean="0"/>
-              <a:t>2/26/20</a:t>
+              <a:t>3/5/20</a:t>
             </a:fld>
             <a:endParaRPr lang="en-US"/>
           </a:p>
@@ -7840,7 +7840,7 @@
           <a:p>
             <a:fld id="{01BFD9DC-0DF3-974C-8698-2D21B3AEFAE9}" type="datetimeFigureOut">
               <a:rPr lang="en-US" smtClean="0"/>
-              <a:t>2/26/20</a:t>
+              <a:t>3/5/20</a:t>
             </a:fld>
             <a:endParaRPr lang="en-US"/>
           </a:p>
@@ -8153,7 +8153,7 @@
           <a:p>
             <a:fld id="{01BFD9DC-0DF3-974C-8698-2D21B3AEFAE9}" type="datetimeFigureOut">
               <a:rPr lang="en-US" smtClean="0"/>
-              <a:t>2/26/20</a:t>
+              <a:t>3/5/20</a:t>
             </a:fld>
             <a:endParaRPr lang="en-US"/>
           </a:p>
@@ -8442,7 +8442,7 @@
           <a:p>
             <a:fld id="{01BFD9DC-0DF3-974C-8698-2D21B3AEFAE9}" type="datetimeFigureOut">
               <a:rPr lang="en-US" smtClean="0"/>
-              <a:t>2/26/20</a:t>
+              <a:t>3/5/20</a:t>
             </a:fld>
             <a:endParaRPr lang="en-US"/>
           </a:p>
@@ -8685,7 +8685,7 @@
           <a:p>
             <a:fld id="{01BFD9DC-0DF3-974C-8698-2D21B3AEFAE9}" type="datetimeFigureOut">
               <a:rPr lang="en-US" smtClean="0"/>
-              <a:t>2/26/20</a:t>
+              <a:t>3/5/20</a:t>
             </a:fld>
             <a:endParaRPr lang="en-US"/>
           </a:p>
@@ -9309,14 +9309,14 @@
           </a:ln>
           <a:extLst>
             <a:ext uri="{909E8E84-426E-40dd-AFC4-6F175D3DCCD1}">
-              <a14:hiddenFill xmlns:a14="http://schemas.microsoft.com/office/drawing/2010/main" xmlns="">
+              <a14:hiddenFill xmlns="" xmlns:a14="http://schemas.microsoft.com/office/drawing/2010/main">
                 <a:solidFill>
                   <a:srgbClr val="FFFFFF"/>
                 </a:solidFill>
               </a14:hiddenFill>
             </a:ext>
             <a:ext uri="{91240B29-F687-4f45-9708-019B960494DF}">
-              <a14:hiddenLine xmlns:a14="http://schemas.microsoft.com/office/drawing/2010/main" xmlns="" w="9525">
+              <a14:hiddenLine xmlns="" xmlns:a14="http://schemas.microsoft.com/office/drawing/2010/main" w="9525">
                 <a:solidFill>
                   <a:srgbClr val="000000"/>
                 </a:solidFill>
@@ -9587,7 +9587,7 @@
             </a:ln>
             <a:extLst>
               <a:ext uri="{909E8E84-426E-40dd-AFC4-6F175D3DCCD1}">
-                <a14:hiddenFill xmlns:a14="http://schemas.microsoft.com/office/drawing/2010/main" xmlns="">
+                <a14:hiddenFill xmlns="" xmlns:a14="http://schemas.microsoft.com/office/drawing/2010/main">
                   <a:noFill/>
                 </a14:hiddenFill>
               </a:ext>
@@ -9623,14 +9623,14 @@
             </a:ln>
             <a:extLst>
               <a:ext uri="{909E8E84-426E-40dd-AFC4-6F175D3DCCD1}">
-                <a14:hiddenFill xmlns:a14="http://schemas.microsoft.com/office/drawing/2010/main" xmlns="">
+                <a14:hiddenFill xmlns="" xmlns:a14="http://schemas.microsoft.com/office/drawing/2010/main">
                   <a:solidFill>
                     <a:srgbClr val="FFFFFF"/>
                   </a:solidFill>
                 </a14:hiddenFill>
               </a:ext>
               <a:ext uri="{91240B29-F687-4f45-9708-019B960494DF}">
-                <a14:hiddenLine xmlns:a14="http://schemas.microsoft.com/office/drawing/2010/main" xmlns="" w="9525">
+                <a14:hiddenLine xmlns="" xmlns:a14="http://schemas.microsoft.com/office/drawing/2010/main" w="9525">
                   <a:solidFill>
                     <a:srgbClr val="000000"/>
                   </a:solidFill>
@@ -9789,7 +9789,7 @@
             </a:ln>
             <a:extLst>
               <a:ext uri="{909E8E84-426E-40dd-AFC4-6F175D3DCCD1}">
-                <a14:hiddenFill xmlns:a14="http://schemas.microsoft.com/office/drawing/2010/main" xmlns="">
+                <a14:hiddenFill xmlns="" xmlns:a14="http://schemas.microsoft.com/office/drawing/2010/main">
                   <a:noFill/>
                 </a14:hiddenFill>
               </a:ext>
@@ -9981,7 +9981,7 @@
             </a:ln>
             <a:extLst>
               <a:ext uri="{909E8E84-426E-40dd-AFC4-6F175D3DCCD1}">
-                <a14:hiddenFill xmlns:a14="http://schemas.microsoft.com/office/drawing/2010/main" xmlns="">
+                <a14:hiddenFill xmlns="" xmlns:a14="http://schemas.microsoft.com/office/drawing/2010/main">
                   <a:noFill/>
                 </a14:hiddenFill>
               </a:ext>
@@ -10022,7 +10022,7 @@
             </a:ln>
             <a:extLst>
               <a:ext uri="{909E8E84-426E-40dd-AFC4-6F175D3DCCD1}">
-                <a14:hiddenFill xmlns:a14="http://schemas.microsoft.com/office/drawing/2010/main" xmlns="">
+                <a14:hiddenFill xmlns="" xmlns:a14="http://schemas.microsoft.com/office/drawing/2010/main">
                   <a:noFill/>
                 </a14:hiddenFill>
               </a:ext>
@@ -10058,14 +10058,14 @@
             </a:ln>
             <a:extLst>
               <a:ext uri="{909E8E84-426E-40dd-AFC4-6F175D3DCCD1}">
-                <a14:hiddenFill xmlns:a14="http://schemas.microsoft.com/office/drawing/2010/main" xmlns="">
+                <a14:hiddenFill xmlns="" xmlns:a14="http://schemas.microsoft.com/office/drawing/2010/main">
                   <a:solidFill>
                     <a:srgbClr val="FFFFFF"/>
                   </a:solidFill>
                 </a14:hiddenFill>
               </a:ext>
               <a:ext uri="{91240B29-F687-4f45-9708-019B960494DF}">
-                <a14:hiddenLine xmlns:a14="http://schemas.microsoft.com/office/drawing/2010/main" xmlns="" w="9525">
+                <a14:hiddenLine xmlns="" xmlns:a14="http://schemas.microsoft.com/office/drawing/2010/main" w="9525">
                   <a:solidFill>
                     <a:srgbClr val="000000"/>
                   </a:solidFill>
@@ -10219,14 +10219,14 @@
             </a:ln>
             <a:extLst>
               <a:ext uri="{909E8E84-426E-40dd-AFC4-6F175D3DCCD1}">
-                <a14:hiddenFill xmlns:a14="http://schemas.microsoft.com/office/drawing/2010/main" xmlns="">
+                <a14:hiddenFill xmlns="" xmlns:a14="http://schemas.microsoft.com/office/drawing/2010/main">
                   <a:solidFill>
                     <a:srgbClr val="FFFFFF"/>
                   </a:solidFill>
                 </a14:hiddenFill>
               </a:ext>
               <a:ext uri="{91240B29-F687-4f45-9708-019B960494DF}">
-                <a14:hiddenLine xmlns:a14="http://schemas.microsoft.com/office/drawing/2010/main" xmlns="" w="9525">
+                <a14:hiddenLine xmlns="" xmlns:a14="http://schemas.microsoft.com/office/drawing/2010/main" w="9525">
                   <a:solidFill>
                     <a:srgbClr val="000000"/>
                   </a:solidFill>
@@ -10380,14 +10380,14 @@
             </a:ln>
             <a:extLst>
               <a:ext uri="{909E8E84-426E-40dd-AFC4-6F175D3DCCD1}">
-                <a14:hiddenFill xmlns:a14="http://schemas.microsoft.com/office/drawing/2010/main" xmlns="">
+                <a14:hiddenFill xmlns="" xmlns:a14="http://schemas.microsoft.com/office/drawing/2010/main">
                   <a:solidFill>
                     <a:srgbClr val="FFFFFF"/>
                   </a:solidFill>
                 </a14:hiddenFill>
               </a:ext>
               <a:ext uri="{91240B29-F687-4f45-9708-019B960494DF}">
-                <a14:hiddenLine xmlns:a14="http://schemas.microsoft.com/office/drawing/2010/main" xmlns="" w="9525">
+                <a14:hiddenLine xmlns="" xmlns:a14="http://schemas.microsoft.com/office/drawing/2010/main" w="9525">
                   <a:solidFill>
                     <a:srgbClr val="000000"/>
                   </a:solidFill>
@@ -11020,7 +11020,7 @@
             </a:ln>
             <a:extLst>
               <a:ext uri="{909E8E84-426E-40dd-AFC4-6F175D3DCCD1}">
-                <a14:hiddenFill xmlns:a14="http://schemas.microsoft.com/office/drawing/2010/main" xmlns="">
+                <a14:hiddenFill xmlns="" xmlns:a14="http://schemas.microsoft.com/office/drawing/2010/main">
                   <a:solidFill>
                     <a:srgbClr val="FFFFFF"/>
                   </a:solidFill>
@@ -11063,7 +11063,7 @@
             </a:ln>
             <a:extLst>
               <a:ext uri="{909E8E84-426E-40dd-AFC4-6F175D3DCCD1}">
-                <a14:hiddenFill xmlns:a14="http://schemas.microsoft.com/office/drawing/2010/main" xmlns="">
+                <a14:hiddenFill xmlns="" xmlns:a14="http://schemas.microsoft.com/office/drawing/2010/main">
                   <a:noFill/>
                 </a14:hiddenFill>
               </a:ext>
@@ -11104,7 +11104,7 @@
             </a:ln>
             <a:extLst>
               <a:ext uri="{909E8E84-426E-40dd-AFC4-6F175D3DCCD1}">
-                <a14:hiddenFill xmlns:a14="http://schemas.microsoft.com/office/drawing/2010/main" xmlns="">
+                <a14:hiddenFill xmlns="" xmlns:a14="http://schemas.microsoft.com/office/drawing/2010/main">
                   <a:noFill/>
                 </a14:hiddenFill>
               </a:ext>
@@ -11140,14 +11140,14 @@
             </a:ln>
             <a:extLst>
               <a:ext uri="{909E8E84-426E-40dd-AFC4-6F175D3DCCD1}">
-                <a14:hiddenFill xmlns:a14="http://schemas.microsoft.com/office/drawing/2010/main" xmlns="">
+                <a14:hiddenFill xmlns="" xmlns:a14="http://schemas.microsoft.com/office/drawing/2010/main">
                   <a:solidFill>
                     <a:srgbClr val="FFFFFF"/>
                   </a:solidFill>
                 </a14:hiddenFill>
               </a:ext>
               <a:ext uri="{91240B29-F687-4f45-9708-019B960494DF}">
-                <a14:hiddenLine xmlns:a14="http://schemas.microsoft.com/office/drawing/2010/main" xmlns="" w="9525">
+                <a14:hiddenLine xmlns="" xmlns:a14="http://schemas.microsoft.com/office/drawing/2010/main" w="9525">
                   <a:solidFill>
                     <a:srgbClr val="000000"/>
                   </a:solidFill>
@@ -11301,14 +11301,14 @@
             </a:ln>
             <a:extLst>
               <a:ext uri="{909E8E84-426E-40dd-AFC4-6F175D3DCCD1}">
-                <a14:hiddenFill xmlns:a14="http://schemas.microsoft.com/office/drawing/2010/main" xmlns="">
+                <a14:hiddenFill xmlns="" xmlns:a14="http://schemas.microsoft.com/office/drawing/2010/main">
                   <a:solidFill>
                     <a:srgbClr val="FFFFFF"/>
                   </a:solidFill>
                 </a14:hiddenFill>
               </a:ext>
               <a:ext uri="{91240B29-F687-4f45-9708-019B960494DF}">
-                <a14:hiddenLine xmlns:a14="http://schemas.microsoft.com/office/drawing/2010/main" xmlns="" w="9525">
+                <a14:hiddenLine xmlns="" xmlns:a14="http://schemas.microsoft.com/office/drawing/2010/main" w="9525">
                   <a:solidFill>
                     <a:srgbClr val="000000"/>
                   </a:solidFill>
@@ -11462,14 +11462,14 @@
             </a:ln>
             <a:extLst>
               <a:ext uri="{909E8E84-426E-40dd-AFC4-6F175D3DCCD1}">
-                <a14:hiddenFill xmlns:a14="http://schemas.microsoft.com/office/drawing/2010/main" xmlns="">
+                <a14:hiddenFill xmlns="" xmlns:a14="http://schemas.microsoft.com/office/drawing/2010/main">
                   <a:solidFill>
                     <a:srgbClr val="FFFFFF"/>
                   </a:solidFill>
                 </a14:hiddenFill>
               </a:ext>
               <a:ext uri="{91240B29-F687-4f45-9708-019B960494DF}">
-                <a14:hiddenLine xmlns:a14="http://schemas.microsoft.com/office/drawing/2010/main" xmlns="" w="9525">
+                <a14:hiddenLine xmlns="" xmlns:a14="http://schemas.microsoft.com/office/drawing/2010/main" w="9525">
                   <a:solidFill>
                     <a:srgbClr val="000000"/>
                   </a:solidFill>
@@ -11623,14 +11623,14 @@
             </a:ln>
             <a:extLst>
               <a:ext uri="{909E8E84-426E-40dd-AFC4-6F175D3DCCD1}">
-                <a14:hiddenFill xmlns:a14="http://schemas.microsoft.com/office/drawing/2010/main" xmlns="">
+                <a14:hiddenFill xmlns="" xmlns:a14="http://schemas.microsoft.com/office/drawing/2010/main">
                   <a:solidFill>
                     <a:srgbClr val="FFFFFF"/>
                   </a:solidFill>
                 </a14:hiddenFill>
               </a:ext>
               <a:ext uri="{91240B29-F687-4f45-9708-019B960494DF}">
-                <a14:hiddenLine xmlns:a14="http://schemas.microsoft.com/office/drawing/2010/main" xmlns="" w="9525">
+                <a14:hiddenLine xmlns="" xmlns:a14="http://schemas.microsoft.com/office/drawing/2010/main" w="9525">
                   <a:solidFill>
                     <a:srgbClr val="000000"/>
                   </a:solidFill>
@@ -11790,7 +11790,7 @@
             </a:ln>
             <a:extLst>
               <a:ext uri="{909E8E84-426E-40dd-AFC4-6F175D3DCCD1}">
-                <a14:hiddenFill xmlns:a14="http://schemas.microsoft.com/office/drawing/2010/main" xmlns="">
+                <a14:hiddenFill xmlns="" xmlns:a14="http://schemas.microsoft.com/office/drawing/2010/main">
                   <a:noFill/>
                 </a14:hiddenFill>
               </a:ext>
@@ -11832,7 +11832,7 @@
             </a:ln>
             <a:extLst>
               <a:ext uri="{909E8E84-426E-40dd-AFC4-6F175D3DCCD1}">
-                <a14:hiddenFill xmlns:a14="http://schemas.microsoft.com/office/drawing/2010/main" xmlns="">
+                <a14:hiddenFill xmlns="" xmlns:a14="http://schemas.microsoft.com/office/drawing/2010/main">
                   <a:noFill/>
                 </a14:hiddenFill>
               </a:ext>
@@ -11874,7 +11874,7 @@
             </a:ln>
             <a:extLst>
               <a:ext uri="{909E8E84-426E-40dd-AFC4-6F175D3DCCD1}">
-                <a14:hiddenFill xmlns:a14="http://schemas.microsoft.com/office/drawing/2010/main" xmlns="">
+                <a14:hiddenFill xmlns="" xmlns:a14="http://schemas.microsoft.com/office/drawing/2010/main">
                   <a:noFill/>
                 </a14:hiddenFill>
               </a:ext>
@@ -11916,7 +11916,7 @@
             </a:ln>
             <a:extLst>
               <a:ext uri="{909E8E84-426E-40dd-AFC4-6F175D3DCCD1}">
-                <a14:hiddenFill xmlns:a14="http://schemas.microsoft.com/office/drawing/2010/main" xmlns="">
+                <a14:hiddenFill xmlns="" xmlns:a14="http://schemas.microsoft.com/office/drawing/2010/main">
                   <a:noFill/>
                 </a14:hiddenFill>
               </a:ext>
@@ -11958,7 +11958,7 @@
             </a:ln>
             <a:extLst>
               <a:ext uri="{909E8E84-426E-40dd-AFC4-6F175D3DCCD1}">
-                <a14:hiddenFill xmlns:a14="http://schemas.microsoft.com/office/drawing/2010/main" xmlns="">
+                <a14:hiddenFill xmlns="" xmlns:a14="http://schemas.microsoft.com/office/drawing/2010/main">
                   <a:noFill/>
                 </a14:hiddenFill>
               </a:ext>
@@ -12000,7 +12000,7 @@
             </a:ln>
             <a:extLst>
               <a:ext uri="{909E8E84-426E-40dd-AFC4-6F175D3DCCD1}">
-                <a14:hiddenFill xmlns:a14="http://schemas.microsoft.com/office/drawing/2010/main" xmlns="">
+                <a14:hiddenFill xmlns="" xmlns:a14="http://schemas.microsoft.com/office/drawing/2010/main">
                   <a:noFill/>
                 </a14:hiddenFill>
               </a:ext>
@@ -12487,7 +12487,7 @@
           <a:effectLst/>
           <a:extLst>
             <a:ext uri="{AF507438-7753-43e0-B8FC-AC1667EBCBE1}">
-              <a14:hiddenEffects xmlns:a14="http://schemas.microsoft.com/office/drawing/2010/main" xmlns="">
+              <a14:hiddenEffects xmlns="" xmlns:a14="http://schemas.microsoft.com/office/drawing/2010/main">
                 <a:effectLst>
                   <a:outerShdw blurRad="63500" dist="38099" dir="2700000" algn="ctr" rotWithShape="0">
                     <a:schemeClr val="bg2">
@@ -12562,7 +12562,7 @@
           <a:effectLst/>
           <a:extLst>
             <a:ext uri="{AF507438-7753-43e0-B8FC-AC1667EBCBE1}">
-              <a14:hiddenEffects xmlns:a14="http://schemas.microsoft.com/office/drawing/2010/main" xmlns="">
+              <a14:hiddenEffects xmlns="" xmlns:a14="http://schemas.microsoft.com/office/drawing/2010/main">
                 <a:effectLst>
                   <a:outerShdw blurRad="63500" dist="38099" dir="2700000" algn="ctr" rotWithShape="0">
                     <a:schemeClr val="bg2">
@@ -12604,7 +12604,7 @@
           <a:effectLst/>
           <a:extLst>
             <a:ext uri="{AF507438-7753-43e0-B8FC-AC1667EBCBE1}">
-              <a14:hiddenEffects xmlns:a14="http://schemas.microsoft.com/office/drawing/2010/main" xmlns="">
+              <a14:hiddenEffects xmlns="" xmlns:a14="http://schemas.microsoft.com/office/drawing/2010/main">
                 <a:effectLst>
                   <a:outerShdw blurRad="63500" dist="38099" dir="2700000" algn="ctr" rotWithShape="0">
                     <a:schemeClr val="bg2">
@@ -12646,7 +12646,7 @@
           <a:effectLst/>
           <a:extLst>
             <a:ext uri="{AF507438-7753-43e0-B8FC-AC1667EBCBE1}">
-              <a14:hiddenEffects xmlns:a14="http://schemas.microsoft.com/office/drawing/2010/main" xmlns="">
+              <a14:hiddenEffects xmlns="" xmlns:a14="http://schemas.microsoft.com/office/drawing/2010/main">
                 <a:effectLst>
                   <a:outerShdw blurRad="63500" dist="38099" dir="2700000" algn="ctr" rotWithShape="0">
                     <a:schemeClr val="bg2">
@@ -12688,7 +12688,7 @@
           <a:effectLst/>
           <a:extLst>
             <a:ext uri="{AF507438-7753-43e0-B8FC-AC1667EBCBE1}">
-              <a14:hiddenEffects xmlns:a14="http://schemas.microsoft.com/office/drawing/2010/main" xmlns="">
+              <a14:hiddenEffects xmlns="" xmlns:a14="http://schemas.microsoft.com/office/drawing/2010/main">
                 <a:effectLst>
                   <a:outerShdw blurRad="63500" dist="38099" dir="2700000" algn="ctr" rotWithShape="0">
                     <a:schemeClr val="bg2">
@@ -12730,7 +12730,7 @@
           <a:effectLst/>
           <a:extLst>
             <a:ext uri="{AF507438-7753-43e0-B8FC-AC1667EBCBE1}">
-              <a14:hiddenEffects xmlns:a14="http://schemas.microsoft.com/office/drawing/2010/main" xmlns="">
+              <a14:hiddenEffects xmlns="" xmlns:a14="http://schemas.microsoft.com/office/drawing/2010/main">
                 <a:effectLst>
                   <a:outerShdw blurRad="63500" dist="38099" dir="2700000" algn="ctr" rotWithShape="0">
                     <a:schemeClr val="bg2">
@@ -12772,7 +12772,7 @@
           <a:effectLst/>
           <a:extLst>
             <a:ext uri="{AF507438-7753-43e0-B8FC-AC1667EBCBE1}">
-              <a14:hiddenEffects xmlns:a14="http://schemas.microsoft.com/office/drawing/2010/main" xmlns="">
+              <a14:hiddenEffects xmlns="" xmlns:a14="http://schemas.microsoft.com/office/drawing/2010/main">
                 <a:effectLst>
                   <a:outerShdw blurRad="63500" dist="38099" dir="2700000" algn="ctr" rotWithShape="0">
                     <a:schemeClr val="bg2">
@@ -12814,7 +12814,7 @@
           <a:effectLst/>
           <a:extLst>
             <a:ext uri="{AF507438-7753-43e0-B8FC-AC1667EBCBE1}">
-              <a14:hiddenEffects xmlns:a14="http://schemas.microsoft.com/office/drawing/2010/main" xmlns="">
+              <a14:hiddenEffects xmlns="" xmlns:a14="http://schemas.microsoft.com/office/drawing/2010/main">
                 <a:effectLst>
                   <a:outerShdw blurRad="63500" dist="38099" dir="2700000" algn="ctr" rotWithShape="0">
                     <a:schemeClr val="bg2">
@@ -12856,7 +12856,7 @@
           <a:effectLst/>
           <a:extLst>
             <a:ext uri="{AF507438-7753-43e0-B8FC-AC1667EBCBE1}">
-              <a14:hiddenEffects xmlns:a14="http://schemas.microsoft.com/office/drawing/2010/main" xmlns="">
+              <a14:hiddenEffects xmlns="" xmlns:a14="http://schemas.microsoft.com/office/drawing/2010/main">
                 <a:effectLst>
                   <a:outerShdw blurRad="63500" dist="38099" dir="2700000" algn="ctr" rotWithShape="0">
                     <a:schemeClr val="bg2">
@@ -12898,7 +12898,7 @@
           <a:effectLst/>
           <a:extLst>
             <a:ext uri="{AF507438-7753-43e0-B8FC-AC1667EBCBE1}">
-              <a14:hiddenEffects xmlns:a14="http://schemas.microsoft.com/office/drawing/2010/main" xmlns="">
+              <a14:hiddenEffects xmlns="" xmlns:a14="http://schemas.microsoft.com/office/drawing/2010/main">
                 <a:effectLst>
                   <a:outerShdw blurRad="63500" dist="38099" dir="2700000" algn="ctr" rotWithShape="0">
                     <a:schemeClr val="bg2">
@@ -12940,7 +12940,7 @@
           <a:effectLst/>
           <a:extLst>
             <a:ext uri="{AF507438-7753-43e0-B8FC-AC1667EBCBE1}">
-              <a14:hiddenEffects xmlns:a14="http://schemas.microsoft.com/office/drawing/2010/main" xmlns="">
+              <a14:hiddenEffects xmlns="" xmlns:a14="http://schemas.microsoft.com/office/drawing/2010/main">
                 <a:effectLst>
                   <a:outerShdw blurRad="63500" dist="38099" dir="2700000" algn="ctr" rotWithShape="0">
                     <a:schemeClr val="bg2">
@@ -12982,7 +12982,7 @@
           <a:effectLst/>
           <a:extLst>
             <a:ext uri="{AF507438-7753-43e0-B8FC-AC1667EBCBE1}">
-              <a14:hiddenEffects xmlns:a14="http://schemas.microsoft.com/office/drawing/2010/main" xmlns="">
+              <a14:hiddenEffects xmlns="" xmlns:a14="http://schemas.microsoft.com/office/drawing/2010/main">
                 <a:effectLst>
                   <a:outerShdw blurRad="63500" dist="38099" dir="2700000" algn="ctr" rotWithShape="0">
                     <a:schemeClr val="bg2">
@@ -13024,7 +13024,7 @@
           <a:effectLst/>
           <a:extLst>
             <a:ext uri="{AF507438-7753-43e0-B8FC-AC1667EBCBE1}">
-              <a14:hiddenEffects xmlns:a14="http://schemas.microsoft.com/office/drawing/2010/main" xmlns="">
+              <a14:hiddenEffects xmlns="" xmlns:a14="http://schemas.microsoft.com/office/drawing/2010/main">
                 <a:effectLst>
                   <a:outerShdw blurRad="63500" dist="38099" dir="2700000" algn="ctr" rotWithShape="0">
                     <a:schemeClr val="bg2">
@@ -13066,7 +13066,7 @@
           <a:effectLst/>
           <a:extLst>
             <a:ext uri="{AF507438-7753-43e0-B8FC-AC1667EBCBE1}">
-              <a14:hiddenEffects xmlns:a14="http://schemas.microsoft.com/office/drawing/2010/main" xmlns="">
+              <a14:hiddenEffects xmlns="" xmlns:a14="http://schemas.microsoft.com/office/drawing/2010/main">
                 <a:effectLst>
                   <a:outerShdw blurRad="63500" dist="38099" dir="2700000" algn="ctr" rotWithShape="0">
                     <a:schemeClr val="bg2">
@@ -13108,7 +13108,7 @@
           <a:effectLst/>
           <a:extLst>
             <a:ext uri="{AF507438-7753-43e0-B8FC-AC1667EBCBE1}">
-              <a14:hiddenEffects xmlns:a14="http://schemas.microsoft.com/office/drawing/2010/main" xmlns="">
+              <a14:hiddenEffects xmlns="" xmlns:a14="http://schemas.microsoft.com/office/drawing/2010/main">
                 <a:effectLst>
                   <a:outerShdw blurRad="63500" dist="38099" dir="2700000" algn="ctr" rotWithShape="0">
                     <a:schemeClr val="bg2">
@@ -13407,14 +13407,14 @@
           </a:ln>
           <a:extLst>
             <a:ext uri="{909E8E84-426E-40dd-AFC4-6F175D3DCCD1}">
-              <a14:hiddenFill xmlns:a14="http://schemas.microsoft.com/office/drawing/2010/main" xmlns="">
+              <a14:hiddenFill xmlns="" xmlns:a14="http://schemas.microsoft.com/office/drawing/2010/main">
                 <a:solidFill>
                   <a:srgbClr val="FFFFFF"/>
                 </a:solidFill>
               </a14:hiddenFill>
             </a:ext>
             <a:ext uri="{91240B29-F687-4f45-9708-019B960494DF}">
-              <a14:hiddenLine xmlns:a14="http://schemas.microsoft.com/office/drawing/2010/main" xmlns="" w="9525">
+              <a14:hiddenLine xmlns="" xmlns:a14="http://schemas.microsoft.com/office/drawing/2010/main" w="9525">
                 <a:solidFill>
                   <a:srgbClr val="000000"/>
                 </a:solidFill>
@@ -17508,7 +17508,7 @@
           <a:bodyPr/>
           <a:lstStyle/>
           <a:p>
-            <a:endParaRPr lang="en-US"/>
+            <a:endParaRPr lang="en-US" dirty="0"/>
           </a:p>
         </p:txBody>
       </p:sp>
@@ -17572,6 +17572,48 @@
           </a:extLst>
         </p:spPr>
       </p:pic>
+      <p:sp>
+        <p:nvSpPr>
+          <p:cNvPr id="3" name="Rectangle 2">
+            <a:extLst>
+              <a:ext uri="{FF2B5EF4-FFF2-40B4-BE49-F238E27FC236}">
+                <a16:creationId xmlns:a16="http://schemas.microsoft.com/office/drawing/2014/main" id="{0229C99B-CF32-2142-BD3A-BF8A6254D0A8}"/>
+              </a:ext>
+            </a:extLst>
+          </p:cNvPr>
+          <p:cNvSpPr/>
+          <p:nvPr/>
+        </p:nvSpPr>
+        <p:spPr>
+          <a:xfrm>
+            <a:off x="0" y="6488668"/>
+            <a:ext cx="10410093" cy="369332"/>
+          </a:xfrm>
+          <a:prstGeom prst="rect">
+            <a:avLst/>
+          </a:prstGeom>
+        </p:spPr>
+        <p:txBody>
+          <a:bodyPr wrap="square">
+            <a:spAutoFit/>
+          </a:bodyPr>
+          <a:lstStyle/>
+          <a:p>
+            <a:r>
+              <a:rPr lang="en-GB" dirty="0"/>
+              <a:t>Wilson, Stewart W. "Classifier fitness based on accuracy." </a:t>
+            </a:r>
+            <a:r>
+              <a:rPr lang="en-GB" i="1" dirty="0"/>
+              <a:t>Evolutionary computation</a:t>
+            </a:r>
+            <a:r>
+              <a:rPr lang="en-GB" dirty="0"/>
+              <a:t> 3.2 (1995): 149-175.</a:t>
+            </a:r>
+          </a:p>
+        </p:txBody>
+      </p:sp>
     </p:spTree>
     <p:extLst>
       <p:ext uri="{BB962C8B-B14F-4D97-AF65-F5344CB8AC3E}">
@@ -18415,7 +18457,7 @@
               </a:ln>
               <a:extLst>
                 <a:ext uri="{909E8E84-426E-40dd-AFC4-6F175D3DCCD1}">
-                  <a14:hiddenFill xmlns:a14="http://schemas.microsoft.com/office/drawing/2010/main" xmlns="">
+                  <a14:hiddenFill xmlns="" xmlns:a14="http://schemas.microsoft.com/office/drawing/2010/main">
                     <a:solidFill>
                       <a:srgbClr val="FFFFFF"/>
                     </a:solidFill>
@@ -18467,7 +18509,7 @@
               </a:ln>
               <a:extLst>
                 <a:ext uri="{909E8E84-426E-40dd-AFC4-6F175D3DCCD1}">
-                  <a14:hiddenFill xmlns:a14="http://schemas.microsoft.com/office/drawing/2010/main" xmlns="">
+                  <a14:hiddenFill xmlns="" xmlns:a14="http://schemas.microsoft.com/office/drawing/2010/main">
                     <a:noFill/>
                   </a14:hiddenFill>
                 </a:ext>
@@ -18517,7 +18559,7 @@
               </a:ln>
               <a:extLst>
                 <a:ext uri="{909E8E84-426E-40dd-AFC4-6F175D3DCCD1}">
-                  <a14:hiddenFill xmlns:a14="http://schemas.microsoft.com/office/drawing/2010/main" xmlns="">
+                  <a14:hiddenFill xmlns="" xmlns:a14="http://schemas.microsoft.com/office/drawing/2010/main">
                     <a:noFill/>
                   </a14:hiddenFill>
                 </a:ext>
@@ -18562,14 +18604,14 @@
               </a:ln>
               <a:extLst>
                 <a:ext uri="{909E8E84-426E-40dd-AFC4-6F175D3DCCD1}">
-                  <a14:hiddenFill xmlns:a14="http://schemas.microsoft.com/office/drawing/2010/main" xmlns="">
+                  <a14:hiddenFill xmlns="" xmlns:a14="http://schemas.microsoft.com/office/drawing/2010/main">
                     <a:solidFill>
                       <a:srgbClr val="FFFFFF"/>
                     </a:solidFill>
                   </a14:hiddenFill>
                 </a:ext>
                 <a:ext uri="{91240B29-F687-4f45-9708-019B960494DF}">
-                  <a14:hiddenLine xmlns:a14="http://schemas.microsoft.com/office/drawing/2010/main" xmlns="" w="9525">
+                  <a14:hiddenLine xmlns="" xmlns:a14="http://schemas.microsoft.com/office/drawing/2010/main" w="9525">
                     <a:solidFill>
                       <a:srgbClr val="000000"/>
                     </a:solidFill>
@@ -18731,14 +18773,14 @@
               </a:ln>
               <a:extLst>
                 <a:ext uri="{909E8E84-426E-40dd-AFC4-6F175D3DCCD1}">
-                  <a14:hiddenFill xmlns:a14="http://schemas.microsoft.com/office/drawing/2010/main" xmlns="">
+                  <a14:hiddenFill xmlns="" xmlns:a14="http://schemas.microsoft.com/office/drawing/2010/main">
                     <a:solidFill>
                       <a:srgbClr val="FFFFFF"/>
                     </a:solidFill>
                   </a14:hiddenFill>
                 </a:ext>
                 <a:ext uri="{91240B29-F687-4f45-9708-019B960494DF}">
-                  <a14:hiddenLine xmlns:a14="http://schemas.microsoft.com/office/drawing/2010/main" xmlns="" w="9525">
+                  <a14:hiddenLine xmlns="" xmlns:a14="http://schemas.microsoft.com/office/drawing/2010/main" w="9525">
                     <a:solidFill>
                       <a:srgbClr val="000000"/>
                     </a:solidFill>
@@ -18900,14 +18942,14 @@
               </a:ln>
               <a:extLst>
                 <a:ext uri="{909E8E84-426E-40dd-AFC4-6F175D3DCCD1}">
-                  <a14:hiddenFill xmlns:a14="http://schemas.microsoft.com/office/drawing/2010/main" xmlns="">
+                  <a14:hiddenFill xmlns="" xmlns:a14="http://schemas.microsoft.com/office/drawing/2010/main">
                     <a:solidFill>
                       <a:srgbClr val="FFFFFF"/>
                     </a:solidFill>
                   </a14:hiddenFill>
                 </a:ext>
                 <a:ext uri="{91240B29-F687-4f45-9708-019B960494DF}">
-                  <a14:hiddenLine xmlns:a14="http://schemas.microsoft.com/office/drawing/2010/main" xmlns="" w="9525">
+                  <a14:hiddenLine xmlns="" xmlns:a14="http://schemas.microsoft.com/office/drawing/2010/main" w="9525">
                     <a:solidFill>
                       <a:srgbClr val="000000"/>
                     </a:solidFill>
@@ -19069,14 +19111,14 @@
               </a:ln>
               <a:extLst>
                 <a:ext uri="{909E8E84-426E-40dd-AFC4-6F175D3DCCD1}">
-                  <a14:hiddenFill xmlns:a14="http://schemas.microsoft.com/office/drawing/2010/main" xmlns="">
+                  <a14:hiddenFill xmlns="" xmlns:a14="http://schemas.microsoft.com/office/drawing/2010/main">
                     <a:solidFill>
                       <a:srgbClr val="FFFFFF"/>
                     </a:solidFill>
                   </a14:hiddenFill>
                 </a:ext>
                 <a:ext uri="{91240B29-F687-4f45-9708-019B960494DF}">
-                  <a14:hiddenLine xmlns:a14="http://schemas.microsoft.com/office/drawing/2010/main" xmlns="" w="9525">
+                  <a14:hiddenLine xmlns="" xmlns:a14="http://schemas.microsoft.com/office/drawing/2010/main" w="9525">
                     <a:solidFill>
                       <a:srgbClr val="000000"/>
                     </a:solidFill>
@@ -19238,14 +19280,14 @@
               </a:ln>
               <a:extLst>
                 <a:ext uri="{909E8E84-426E-40dd-AFC4-6F175D3DCCD1}">
-                  <a14:hiddenFill xmlns:a14="http://schemas.microsoft.com/office/drawing/2010/main" xmlns="">
+                  <a14:hiddenFill xmlns="" xmlns:a14="http://schemas.microsoft.com/office/drawing/2010/main">
                     <a:solidFill>
                       <a:srgbClr val="FFFFFF"/>
                     </a:solidFill>
                   </a14:hiddenFill>
                 </a:ext>
                 <a:ext uri="{91240B29-F687-4f45-9708-019B960494DF}">
-                  <a14:hiddenLine xmlns:a14="http://schemas.microsoft.com/office/drawing/2010/main" xmlns="" w="9525">
+                  <a14:hiddenLine xmlns="" xmlns:a14="http://schemas.microsoft.com/office/drawing/2010/main" w="9525">
                     <a:solidFill>
                       <a:srgbClr val="000000"/>
                     </a:solidFill>
@@ -19413,7 +19455,7 @@
               </a:ln>
               <a:extLst>
                 <a:ext uri="{909E8E84-426E-40dd-AFC4-6F175D3DCCD1}">
-                  <a14:hiddenFill xmlns:a14="http://schemas.microsoft.com/office/drawing/2010/main" xmlns="">
+                  <a14:hiddenFill xmlns="" xmlns:a14="http://schemas.microsoft.com/office/drawing/2010/main">
                     <a:noFill/>
                   </a14:hiddenFill>
                 </a:ext>
@@ -19464,7 +19506,7 @@
               </a:ln>
               <a:extLst>
                 <a:ext uri="{909E8E84-426E-40dd-AFC4-6F175D3DCCD1}">
-                  <a14:hiddenFill xmlns:a14="http://schemas.microsoft.com/office/drawing/2010/main" xmlns="">
+                  <a14:hiddenFill xmlns="" xmlns:a14="http://schemas.microsoft.com/office/drawing/2010/main">
                     <a:noFill/>
                   </a14:hiddenFill>
                 </a:ext>
@@ -19515,7 +19557,7 @@
               </a:ln>
               <a:extLst>
                 <a:ext uri="{909E8E84-426E-40dd-AFC4-6F175D3DCCD1}">
-                  <a14:hiddenFill xmlns:a14="http://schemas.microsoft.com/office/drawing/2010/main" xmlns="">
+                  <a14:hiddenFill xmlns="" xmlns:a14="http://schemas.microsoft.com/office/drawing/2010/main">
                     <a:noFill/>
                   </a14:hiddenFill>
                 </a:ext>
@@ -19566,7 +19608,7 @@
               </a:ln>
               <a:extLst>
                 <a:ext uri="{909E8E84-426E-40dd-AFC4-6F175D3DCCD1}">
-                  <a14:hiddenFill xmlns:a14="http://schemas.microsoft.com/office/drawing/2010/main" xmlns="">
+                  <a14:hiddenFill xmlns="" xmlns:a14="http://schemas.microsoft.com/office/drawing/2010/main">
                     <a:noFill/>
                   </a14:hiddenFill>
                 </a:ext>
@@ -19617,7 +19659,7 @@
               </a:ln>
               <a:extLst>
                 <a:ext uri="{909E8E84-426E-40dd-AFC4-6F175D3DCCD1}">
-                  <a14:hiddenFill xmlns:a14="http://schemas.microsoft.com/office/drawing/2010/main" xmlns="">
+                  <a14:hiddenFill xmlns="" xmlns:a14="http://schemas.microsoft.com/office/drawing/2010/main">
                     <a:noFill/>
                   </a14:hiddenFill>
                 </a:ext>
@@ -19668,7 +19710,7 @@
               </a:ln>
               <a:extLst>
                 <a:ext uri="{909E8E84-426E-40dd-AFC4-6F175D3DCCD1}">
-                  <a14:hiddenFill xmlns:a14="http://schemas.microsoft.com/office/drawing/2010/main" xmlns="">
+                  <a14:hiddenFill xmlns="" xmlns:a14="http://schemas.microsoft.com/office/drawing/2010/main">
                     <a:noFill/>
                   </a14:hiddenFill>
                 </a:ext>
@@ -19713,14 +19755,14 @@
               </a:ln>
               <a:extLst>
                 <a:ext uri="{909E8E84-426E-40dd-AFC4-6F175D3DCCD1}">
-                  <a14:hiddenFill xmlns:a14="http://schemas.microsoft.com/office/drawing/2010/main" xmlns="">
+                  <a14:hiddenFill xmlns="" xmlns:a14="http://schemas.microsoft.com/office/drawing/2010/main">
                     <a:solidFill>
                       <a:srgbClr val="FFFFFF"/>
                     </a:solidFill>
                   </a14:hiddenFill>
                 </a:ext>
                 <a:ext uri="{91240B29-F687-4f45-9708-019B960494DF}">
-                  <a14:hiddenLine xmlns:a14="http://schemas.microsoft.com/office/drawing/2010/main" xmlns="" w="9525">
+                  <a14:hiddenLine xmlns="" xmlns:a14="http://schemas.microsoft.com/office/drawing/2010/main" w="9525">
                     <a:solidFill>
                       <a:srgbClr val="000000"/>
                     </a:solidFill>
@@ -20675,7 +20717,7 @@
               </a:ln>
               <a:extLst>
                 <a:ext uri="{909E8E84-426E-40dd-AFC4-6F175D3DCCD1}">
-                  <a14:hiddenFill xmlns:a14="http://schemas.microsoft.com/office/drawing/2010/main" xmlns="">
+                  <a14:hiddenFill xmlns="" xmlns:a14="http://schemas.microsoft.com/office/drawing/2010/main">
                     <a:solidFill>
                       <a:srgbClr val="FFFFFF"/>
                     </a:solidFill>
@@ -20727,7 +20769,7 @@
               </a:ln>
               <a:extLst>
                 <a:ext uri="{909E8E84-426E-40dd-AFC4-6F175D3DCCD1}">
-                  <a14:hiddenFill xmlns:a14="http://schemas.microsoft.com/office/drawing/2010/main" xmlns="">
+                  <a14:hiddenFill xmlns="" xmlns:a14="http://schemas.microsoft.com/office/drawing/2010/main">
                     <a:noFill/>
                   </a14:hiddenFill>
                 </a:ext>
@@ -20777,7 +20819,7 @@
               </a:ln>
               <a:extLst>
                 <a:ext uri="{909E8E84-426E-40dd-AFC4-6F175D3DCCD1}">
-                  <a14:hiddenFill xmlns:a14="http://schemas.microsoft.com/office/drawing/2010/main" xmlns="">
+                  <a14:hiddenFill xmlns="" xmlns:a14="http://schemas.microsoft.com/office/drawing/2010/main">
                     <a:noFill/>
                   </a14:hiddenFill>
                 </a:ext>
@@ -20822,14 +20864,14 @@
               </a:ln>
               <a:extLst>
                 <a:ext uri="{909E8E84-426E-40dd-AFC4-6F175D3DCCD1}">
-                  <a14:hiddenFill xmlns:a14="http://schemas.microsoft.com/office/drawing/2010/main" xmlns="">
+                  <a14:hiddenFill xmlns="" xmlns:a14="http://schemas.microsoft.com/office/drawing/2010/main">
                     <a:solidFill>
                       <a:srgbClr val="FFFFFF"/>
                     </a:solidFill>
                   </a14:hiddenFill>
                 </a:ext>
                 <a:ext uri="{91240B29-F687-4f45-9708-019B960494DF}">
-                  <a14:hiddenLine xmlns:a14="http://schemas.microsoft.com/office/drawing/2010/main" xmlns="" w="9525">
+                  <a14:hiddenLine xmlns="" xmlns:a14="http://schemas.microsoft.com/office/drawing/2010/main" w="9525">
                     <a:solidFill>
                       <a:srgbClr val="000000"/>
                     </a:solidFill>
@@ -20991,14 +21033,14 @@
               </a:ln>
               <a:extLst>
                 <a:ext uri="{909E8E84-426E-40dd-AFC4-6F175D3DCCD1}">
-                  <a14:hiddenFill xmlns:a14="http://schemas.microsoft.com/office/drawing/2010/main" xmlns="">
+                  <a14:hiddenFill xmlns="" xmlns:a14="http://schemas.microsoft.com/office/drawing/2010/main">
                     <a:solidFill>
                       <a:srgbClr val="FFFFFF"/>
                     </a:solidFill>
                   </a14:hiddenFill>
                 </a:ext>
                 <a:ext uri="{91240B29-F687-4f45-9708-019B960494DF}">
-                  <a14:hiddenLine xmlns:a14="http://schemas.microsoft.com/office/drawing/2010/main" xmlns="" w="9525">
+                  <a14:hiddenLine xmlns="" xmlns:a14="http://schemas.microsoft.com/office/drawing/2010/main" w="9525">
                     <a:solidFill>
                       <a:srgbClr val="000000"/>
                     </a:solidFill>
@@ -21160,14 +21202,14 @@
               </a:ln>
               <a:extLst>
                 <a:ext uri="{909E8E84-426E-40dd-AFC4-6F175D3DCCD1}">
-                  <a14:hiddenFill xmlns:a14="http://schemas.microsoft.com/office/drawing/2010/main" xmlns="">
+                  <a14:hiddenFill xmlns="" xmlns:a14="http://schemas.microsoft.com/office/drawing/2010/main">
                     <a:solidFill>
                       <a:srgbClr val="FFFFFF"/>
                     </a:solidFill>
                   </a14:hiddenFill>
                 </a:ext>
                 <a:ext uri="{91240B29-F687-4f45-9708-019B960494DF}">
-                  <a14:hiddenLine xmlns:a14="http://schemas.microsoft.com/office/drawing/2010/main" xmlns="" w="9525">
+                  <a14:hiddenLine xmlns="" xmlns:a14="http://schemas.microsoft.com/office/drawing/2010/main" w="9525">
                     <a:solidFill>
                       <a:srgbClr val="000000"/>
                     </a:solidFill>
@@ -21329,14 +21371,14 @@
               </a:ln>
               <a:extLst>
                 <a:ext uri="{909E8E84-426E-40dd-AFC4-6F175D3DCCD1}">
-                  <a14:hiddenFill xmlns:a14="http://schemas.microsoft.com/office/drawing/2010/main" xmlns="">
+                  <a14:hiddenFill xmlns="" xmlns:a14="http://schemas.microsoft.com/office/drawing/2010/main">
                     <a:solidFill>
                       <a:srgbClr val="FFFFFF"/>
                     </a:solidFill>
                   </a14:hiddenFill>
                 </a:ext>
                 <a:ext uri="{91240B29-F687-4f45-9708-019B960494DF}">
-                  <a14:hiddenLine xmlns:a14="http://schemas.microsoft.com/office/drawing/2010/main" xmlns="" w="9525">
+                  <a14:hiddenLine xmlns="" xmlns:a14="http://schemas.microsoft.com/office/drawing/2010/main" w="9525">
                     <a:solidFill>
                       <a:srgbClr val="000000"/>
                     </a:solidFill>
@@ -21498,14 +21540,14 @@
               </a:ln>
               <a:extLst>
                 <a:ext uri="{909E8E84-426E-40dd-AFC4-6F175D3DCCD1}">
-                  <a14:hiddenFill xmlns:a14="http://schemas.microsoft.com/office/drawing/2010/main" xmlns="">
+                  <a14:hiddenFill xmlns="" xmlns:a14="http://schemas.microsoft.com/office/drawing/2010/main">
                     <a:solidFill>
                       <a:srgbClr val="FFFFFF"/>
                     </a:solidFill>
                   </a14:hiddenFill>
                 </a:ext>
                 <a:ext uri="{91240B29-F687-4f45-9708-019B960494DF}">
-                  <a14:hiddenLine xmlns:a14="http://schemas.microsoft.com/office/drawing/2010/main" xmlns="" w="9525">
+                  <a14:hiddenLine xmlns="" xmlns:a14="http://schemas.microsoft.com/office/drawing/2010/main" w="9525">
                     <a:solidFill>
                       <a:srgbClr val="000000"/>
                     </a:solidFill>
@@ -21673,7 +21715,7 @@
               </a:ln>
               <a:extLst>
                 <a:ext uri="{909E8E84-426E-40dd-AFC4-6F175D3DCCD1}">
-                  <a14:hiddenFill xmlns:a14="http://schemas.microsoft.com/office/drawing/2010/main" xmlns="">
+                  <a14:hiddenFill xmlns="" xmlns:a14="http://schemas.microsoft.com/office/drawing/2010/main">
                     <a:noFill/>
                   </a14:hiddenFill>
                 </a:ext>
@@ -21724,7 +21766,7 @@
               </a:ln>
               <a:extLst>
                 <a:ext uri="{909E8E84-426E-40dd-AFC4-6F175D3DCCD1}">
-                  <a14:hiddenFill xmlns:a14="http://schemas.microsoft.com/office/drawing/2010/main" xmlns="">
+                  <a14:hiddenFill xmlns="" xmlns:a14="http://schemas.microsoft.com/office/drawing/2010/main">
                     <a:noFill/>
                   </a14:hiddenFill>
                 </a:ext>
@@ -21775,7 +21817,7 @@
               </a:ln>
               <a:extLst>
                 <a:ext uri="{909E8E84-426E-40dd-AFC4-6F175D3DCCD1}">
-                  <a14:hiddenFill xmlns:a14="http://schemas.microsoft.com/office/drawing/2010/main" xmlns="">
+                  <a14:hiddenFill xmlns="" xmlns:a14="http://schemas.microsoft.com/office/drawing/2010/main">
                     <a:noFill/>
                   </a14:hiddenFill>
                 </a:ext>
@@ -21826,7 +21868,7 @@
               </a:ln>
               <a:extLst>
                 <a:ext uri="{909E8E84-426E-40dd-AFC4-6F175D3DCCD1}">
-                  <a14:hiddenFill xmlns:a14="http://schemas.microsoft.com/office/drawing/2010/main" xmlns="">
+                  <a14:hiddenFill xmlns="" xmlns:a14="http://schemas.microsoft.com/office/drawing/2010/main">
                     <a:noFill/>
                   </a14:hiddenFill>
                 </a:ext>
@@ -21877,7 +21919,7 @@
               </a:ln>
               <a:extLst>
                 <a:ext uri="{909E8E84-426E-40dd-AFC4-6F175D3DCCD1}">
-                  <a14:hiddenFill xmlns:a14="http://schemas.microsoft.com/office/drawing/2010/main" xmlns="">
+                  <a14:hiddenFill xmlns="" xmlns:a14="http://schemas.microsoft.com/office/drawing/2010/main">
                     <a:noFill/>
                   </a14:hiddenFill>
                 </a:ext>
@@ -21928,7 +21970,7 @@
               </a:ln>
               <a:extLst>
                 <a:ext uri="{909E8E84-426E-40dd-AFC4-6F175D3DCCD1}">
-                  <a14:hiddenFill xmlns:a14="http://schemas.microsoft.com/office/drawing/2010/main" xmlns="">
+                  <a14:hiddenFill xmlns="" xmlns:a14="http://schemas.microsoft.com/office/drawing/2010/main">
                     <a:noFill/>
                   </a14:hiddenFill>
                 </a:ext>
@@ -22698,7 +22740,7 @@
               </a:ln>
               <a:extLst>
                 <a:ext uri="{909E8E84-426E-40dd-AFC4-6F175D3DCCD1}">
-                  <a14:hiddenFill xmlns:a14="http://schemas.microsoft.com/office/drawing/2010/main" xmlns="">
+                  <a14:hiddenFill xmlns="" xmlns:a14="http://schemas.microsoft.com/office/drawing/2010/main">
                     <a:solidFill>
                       <a:srgbClr val="FFFFFF"/>
                     </a:solidFill>
@@ -22750,7 +22792,7 @@
               </a:ln>
               <a:extLst>
                 <a:ext uri="{909E8E84-426E-40dd-AFC4-6F175D3DCCD1}">
-                  <a14:hiddenFill xmlns:a14="http://schemas.microsoft.com/office/drawing/2010/main" xmlns="">
+                  <a14:hiddenFill xmlns="" xmlns:a14="http://schemas.microsoft.com/office/drawing/2010/main">
                     <a:noFill/>
                   </a14:hiddenFill>
                 </a:ext>
@@ -22800,7 +22842,7 @@
               </a:ln>
               <a:extLst>
                 <a:ext uri="{909E8E84-426E-40dd-AFC4-6F175D3DCCD1}">
-                  <a14:hiddenFill xmlns:a14="http://schemas.microsoft.com/office/drawing/2010/main" xmlns="">
+                  <a14:hiddenFill xmlns="" xmlns:a14="http://schemas.microsoft.com/office/drawing/2010/main">
                     <a:noFill/>
                   </a14:hiddenFill>
                 </a:ext>
@@ -22845,14 +22887,14 @@
               </a:ln>
               <a:extLst>
                 <a:ext uri="{909E8E84-426E-40dd-AFC4-6F175D3DCCD1}">
-                  <a14:hiddenFill xmlns:a14="http://schemas.microsoft.com/office/drawing/2010/main" xmlns="">
+                  <a14:hiddenFill xmlns="" xmlns:a14="http://schemas.microsoft.com/office/drawing/2010/main">
                     <a:solidFill>
                       <a:srgbClr val="FFFFFF"/>
                     </a:solidFill>
                   </a14:hiddenFill>
                 </a:ext>
                 <a:ext uri="{91240B29-F687-4f45-9708-019B960494DF}">
-                  <a14:hiddenLine xmlns:a14="http://schemas.microsoft.com/office/drawing/2010/main" xmlns="" w="9525">
+                  <a14:hiddenLine xmlns="" xmlns:a14="http://schemas.microsoft.com/office/drawing/2010/main" w="9525">
                     <a:solidFill>
                       <a:srgbClr val="000000"/>
                     </a:solidFill>
@@ -23014,14 +23056,14 @@
               </a:ln>
               <a:extLst>
                 <a:ext uri="{909E8E84-426E-40dd-AFC4-6F175D3DCCD1}">
-                  <a14:hiddenFill xmlns:a14="http://schemas.microsoft.com/office/drawing/2010/main" xmlns="">
+                  <a14:hiddenFill xmlns="" xmlns:a14="http://schemas.microsoft.com/office/drawing/2010/main">
                     <a:solidFill>
                       <a:srgbClr val="FFFFFF"/>
                     </a:solidFill>
                   </a14:hiddenFill>
                 </a:ext>
                 <a:ext uri="{91240B29-F687-4f45-9708-019B960494DF}">
-                  <a14:hiddenLine xmlns:a14="http://schemas.microsoft.com/office/drawing/2010/main" xmlns="" w="9525">
+                  <a14:hiddenLine xmlns="" xmlns:a14="http://schemas.microsoft.com/office/drawing/2010/main" w="9525">
                     <a:solidFill>
                       <a:srgbClr val="000000"/>
                     </a:solidFill>
@@ -23183,14 +23225,14 @@
               </a:ln>
               <a:extLst>
                 <a:ext uri="{909E8E84-426E-40dd-AFC4-6F175D3DCCD1}">
-                  <a14:hiddenFill xmlns:a14="http://schemas.microsoft.com/office/drawing/2010/main" xmlns="">
+                  <a14:hiddenFill xmlns="" xmlns:a14="http://schemas.microsoft.com/office/drawing/2010/main">
                     <a:solidFill>
                       <a:srgbClr val="FFFFFF"/>
                     </a:solidFill>
                   </a14:hiddenFill>
                 </a:ext>
                 <a:ext uri="{91240B29-F687-4f45-9708-019B960494DF}">
-                  <a14:hiddenLine xmlns:a14="http://schemas.microsoft.com/office/drawing/2010/main" xmlns="" w="9525">
+                  <a14:hiddenLine xmlns="" xmlns:a14="http://schemas.microsoft.com/office/drawing/2010/main" w="9525">
                     <a:solidFill>
                       <a:srgbClr val="000000"/>
                     </a:solidFill>
@@ -23352,14 +23394,14 @@
               </a:ln>
               <a:extLst>
                 <a:ext uri="{909E8E84-426E-40dd-AFC4-6F175D3DCCD1}">
-                  <a14:hiddenFill xmlns:a14="http://schemas.microsoft.com/office/drawing/2010/main" xmlns="">
+                  <a14:hiddenFill xmlns="" xmlns:a14="http://schemas.microsoft.com/office/drawing/2010/main">
                     <a:solidFill>
                       <a:srgbClr val="FFFFFF"/>
                     </a:solidFill>
                   </a14:hiddenFill>
                 </a:ext>
                 <a:ext uri="{91240B29-F687-4f45-9708-019B960494DF}">
-                  <a14:hiddenLine xmlns:a14="http://schemas.microsoft.com/office/drawing/2010/main" xmlns="" w="9525">
+                  <a14:hiddenLine xmlns="" xmlns:a14="http://schemas.microsoft.com/office/drawing/2010/main" w="9525">
                     <a:solidFill>
                       <a:srgbClr val="000000"/>
                     </a:solidFill>
@@ -23521,14 +23563,14 @@
               </a:ln>
               <a:extLst>
                 <a:ext uri="{909E8E84-426E-40dd-AFC4-6F175D3DCCD1}">
-                  <a14:hiddenFill xmlns:a14="http://schemas.microsoft.com/office/drawing/2010/main" xmlns="">
+                  <a14:hiddenFill xmlns="" xmlns:a14="http://schemas.microsoft.com/office/drawing/2010/main">
                     <a:solidFill>
                       <a:srgbClr val="FFFFFF"/>
                     </a:solidFill>
                   </a14:hiddenFill>
                 </a:ext>
                 <a:ext uri="{91240B29-F687-4f45-9708-019B960494DF}">
-                  <a14:hiddenLine xmlns:a14="http://schemas.microsoft.com/office/drawing/2010/main" xmlns="" w="9525">
+                  <a14:hiddenLine xmlns="" xmlns:a14="http://schemas.microsoft.com/office/drawing/2010/main" w="9525">
                     <a:solidFill>
                       <a:srgbClr val="000000"/>
                     </a:solidFill>
@@ -23696,7 +23738,7 @@
               </a:ln>
               <a:extLst>
                 <a:ext uri="{909E8E84-426E-40dd-AFC4-6F175D3DCCD1}">
-                  <a14:hiddenFill xmlns:a14="http://schemas.microsoft.com/office/drawing/2010/main" xmlns="">
+                  <a14:hiddenFill xmlns="" xmlns:a14="http://schemas.microsoft.com/office/drawing/2010/main">
                     <a:noFill/>
                   </a14:hiddenFill>
                 </a:ext>
@@ -23747,7 +23789,7 @@
               </a:ln>
               <a:extLst>
                 <a:ext uri="{909E8E84-426E-40dd-AFC4-6F175D3DCCD1}">
-                  <a14:hiddenFill xmlns:a14="http://schemas.microsoft.com/office/drawing/2010/main" xmlns="">
+                  <a14:hiddenFill xmlns="" xmlns:a14="http://schemas.microsoft.com/office/drawing/2010/main">
                     <a:noFill/>
                   </a14:hiddenFill>
                 </a:ext>
@@ -23798,7 +23840,7 @@
               </a:ln>
               <a:extLst>
                 <a:ext uri="{909E8E84-426E-40dd-AFC4-6F175D3DCCD1}">
-                  <a14:hiddenFill xmlns:a14="http://schemas.microsoft.com/office/drawing/2010/main" xmlns="">
+                  <a14:hiddenFill xmlns="" xmlns:a14="http://schemas.microsoft.com/office/drawing/2010/main">
                     <a:noFill/>
                   </a14:hiddenFill>
                 </a:ext>
@@ -23849,7 +23891,7 @@
               </a:ln>
               <a:extLst>
                 <a:ext uri="{909E8E84-426E-40dd-AFC4-6F175D3DCCD1}">
-                  <a14:hiddenFill xmlns:a14="http://schemas.microsoft.com/office/drawing/2010/main" xmlns="">
+                  <a14:hiddenFill xmlns="" xmlns:a14="http://schemas.microsoft.com/office/drawing/2010/main">
                     <a:noFill/>
                   </a14:hiddenFill>
                 </a:ext>
@@ -23900,7 +23942,7 @@
               </a:ln>
               <a:extLst>
                 <a:ext uri="{909E8E84-426E-40dd-AFC4-6F175D3DCCD1}">
-                  <a14:hiddenFill xmlns:a14="http://schemas.microsoft.com/office/drawing/2010/main" xmlns="">
+                  <a14:hiddenFill xmlns="" xmlns:a14="http://schemas.microsoft.com/office/drawing/2010/main">
                     <a:noFill/>
                   </a14:hiddenFill>
                 </a:ext>
@@ -23951,7 +23993,7 @@
               </a:ln>
               <a:extLst>
                 <a:ext uri="{909E8E84-426E-40dd-AFC4-6F175D3DCCD1}">
-                  <a14:hiddenFill xmlns:a14="http://schemas.microsoft.com/office/drawing/2010/main" xmlns="">
+                  <a14:hiddenFill xmlns="" xmlns:a14="http://schemas.microsoft.com/office/drawing/2010/main">
                     <a:noFill/>
                   </a14:hiddenFill>
                 </a:ext>
@@ -23996,14 +24038,14 @@
               </a:ln>
               <a:extLst>
                 <a:ext uri="{909E8E84-426E-40dd-AFC4-6F175D3DCCD1}">
-                  <a14:hiddenFill xmlns:a14="http://schemas.microsoft.com/office/drawing/2010/main" xmlns="">
+                  <a14:hiddenFill xmlns="" xmlns:a14="http://schemas.microsoft.com/office/drawing/2010/main">
                     <a:solidFill>
                       <a:srgbClr val="FFFFFF"/>
                     </a:solidFill>
                   </a14:hiddenFill>
                 </a:ext>
                 <a:ext uri="{91240B29-F687-4f45-9708-019B960494DF}">
-                  <a14:hiddenLine xmlns:a14="http://schemas.microsoft.com/office/drawing/2010/main" xmlns="" w="9525">
+                  <a14:hiddenLine xmlns="" xmlns:a14="http://schemas.microsoft.com/office/drawing/2010/main" w="9525">
                     <a:solidFill>
                       <a:srgbClr val="000000"/>
                     </a:solidFill>
@@ -24938,14 +24980,14 @@
               </a:ln>
               <a:extLst>
                 <a:ext uri="{909E8E84-426E-40dd-AFC4-6F175D3DCCD1}">
-                  <a14:hiddenFill xmlns:a14="http://schemas.microsoft.com/office/drawing/2010/main" xmlns="">
+                  <a14:hiddenFill xmlns="" xmlns:a14="http://schemas.microsoft.com/office/drawing/2010/main">
                     <a:solidFill>
                       <a:srgbClr val="FFFFFF"/>
                     </a:solidFill>
                   </a14:hiddenFill>
                 </a:ext>
                 <a:ext uri="{91240B29-F687-4f45-9708-019B960494DF}">
-                  <a14:hiddenLine xmlns:a14="http://schemas.microsoft.com/office/drawing/2010/main" xmlns="" w="9525">
+                  <a14:hiddenLine xmlns="" xmlns:a14="http://schemas.microsoft.com/office/drawing/2010/main" w="9525">
                     <a:solidFill>
                       <a:srgbClr val="000000"/>
                     </a:solidFill>
@@ -25028,14 +25070,14 @@
               </a:ln>
               <a:extLst>
                 <a:ext uri="{909E8E84-426E-40dd-AFC4-6F175D3DCCD1}">
-                  <a14:hiddenFill xmlns:a14="http://schemas.microsoft.com/office/drawing/2010/main" xmlns="">
+                  <a14:hiddenFill xmlns="" xmlns:a14="http://schemas.microsoft.com/office/drawing/2010/main">
                     <a:solidFill>
                       <a:srgbClr val="FFFFFF"/>
                     </a:solidFill>
                   </a14:hiddenFill>
                 </a:ext>
                 <a:ext uri="{91240B29-F687-4f45-9708-019B960494DF}">
-                  <a14:hiddenLine xmlns:a14="http://schemas.microsoft.com/office/drawing/2010/main" xmlns="" w="9525">
+                  <a14:hiddenLine xmlns="" xmlns:a14="http://schemas.microsoft.com/office/drawing/2010/main" w="9525">
                     <a:solidFill>
                       <a:srgbClr val="000000"/>
                     </a:solidFill>
@@ -25222,7 +25264,7 @@
               </a:ln>
               <a:extLst>
                 <a:ext uri="{909E8E84-426E-40dd-AFC4-6F175D3DCCD1}">
-                  <a14:hiddenFill xmlns:a14="http://schemas.microsoft.com/office/drawing/2010/main" xmlns="">
+                  <a14:hiddenFill xmlns="" xmlns:a14="http://schemas.microsoft.com/office/drawing/2010/main">
                     <a:solidFill>
                       <a:srgbClr val="FFFFFF"/>
                     </a:solidFill>
@@ -25274,7 +25316,7 @@
               </a:ln>
               <a:extLst>
                 <a:ext uri="{909E8E84-426E-40dd-AFC4-6F175D3DCCD1}">
-                  <a14:hiddenFill xmlns:a14="http://schemas.microsoft.com/office/drawing/2010/main" xmlns="">
+                  <a14:hiddenFill xmlns="" xmlns:a14="http://schemas.microsoft.com/office/drawing/2010/main">
                     <a:noFill/>
                   </a14:hiddenFill>
                 </a:ext>
@@ -25324,7 +25366,7 @@
               </a:ln>
               <a:extLst>
                 <a:ext uri="{909E8E84-426E-40dd-AFC4-6F175D3DCCD1}">
-                  <a14:hiddenFill xmlns:a14="http://schemas.microsoft.com/office/drawing/2010/main" xmlns="">
+                  <a14:hiddenFill xmlns="" xmlns:a14="http://schemas.microsoft.com/office/drawing/2010/main">
                     <a:noFill/>
                   </a14:hiddenFill>
                 </a:ext>
@@ -25369,14 +25411,14 @@
               </a:ln>
               <a:extLst>
                 <a:ext uri="{909E8E84-426E-40dd-AFC4-6F175D3DCCD1}">
-                  <a14:hiddenFill xmlns:a14="http://schemas.microsoft.com/office/drawing/2010/main" xmlns="">
+                  <a14:hiddenFill xmlns="" xmlns:a14="http://schemas.microsoft.com/office/drawing/2010/main">
                     <a:solidFill>
                       <a:srgbClr val="FFFFFF"/>
                     </a:solidFill>
                   </a14:hiddenFill>
                 </a:ext>
                 <a:ext uri="{91240B29-F687-4f45-9708-019B960494DF}">
-                  <a14:hiddenLine xmlns:a14="http://schemas.microsoft.com/office/drawing/2010/main" xmlns="" w="9525">
+                  <a14:hiddenLine xmlns="" xmlns:a14="http://schemas.microsoft.com/office/drawing/2010/main" w="9525">
                     <a:solidFill>
                       <a:srgbClr val="000000"/>
                     </a:solidFill>
@@ -25538,14 +25580,14 @@
               </a:ln>
               <a:extLst>
                 <a:ext uri="{909E8E84-426E-40dd-AFC4-6F175D3DCCD1}">
-                  <a14:hiddenFill xmlns:a14="http://schemas.microsoft.com/office/drawing/2010/main" xmlns="">
+                  <a14:hiddenFill xmlns="" xmlns:a14="http://schemas.microsoft.com/office/drawing/2010/main">
                     <a:solidFill>
                       <a:srgbClr val="FFFFFF"/>
                     </a:solidFill>
                   </a14:hiddenFill>
                 </a:ext>
                 <a:ext uri="{91240B29-F687-4f45-9708-019B960494DF}">
-                  <a14:hiddenLine xmlns:a14="http://schemas.microsoft.com/office/drawing/2010/main" xmlns="" w="9525">
+                  <a14:hiddenLine xmlns="" xmlns:a14="http://schemas.microsoft.com/office/drawing/2010/main" w="9525">
                     <a:solidFill>
                       <a:srgbClr val="000000"/>
                     </a:solidFill>
@@ -25707,14 +25749,14 @@
               </a:ln>
               <a:extLst>
                 <a:ext uri="{909E8E84-426E-40dd-AFC4-6F175D3DCCD1}">
-                  <a14:hiddenFill xmlns:a14="http://schemas.microsoft.com/office/drawing/2010/main" xmlns="">
+                  <a14:hiddenFill xmlns="" xmlns:a14="http://schemas.microsoft.com/office/drawing/2010/main">
                     <a:solidFill>
                       <a:srgbClr val="FFFFFF"/>
                     </a:solidFill>
                   </a14:hiddenFill>
                 </a:ext>
                 <a:ext uri="{91240B29-F687-4f45-9708-019B960494DF}">
-                  <a14:hiddenLine xmlns:a14="http://schemas.microsoft.com/office/drawing/2010/main" xmlns="" w="9525">
+                  <a14:hiddenLine xmlns="" xmlns:a14="http://schemas.microsoft.com/office/drawing/2010/main" w="9525">
                     <a:solidFill>
                       <a:srgbClr val="000000"/>
                     </a:solidFill>
@@ -25876,14 +25918,14 @@
               </a:ln>
               <a:extLst>
                 <a:ext uri="{909E8E84-426E-40dd-AFC4-6F175D3DCCD1}">
-                  <a14:hiddenFill xmlns:a14="http://schemas.microsoft.com/office/drawing/2010/main" xmlns="">
+                  <a14:hiddenFill xmlns="" xmlns:a14="http://schemas.microsoft.com/office/drawing/2010/main">
                     <a:solidFill>
                       <a:srgbClr val="FFFFFF"/>
                     </a:solidFill>
                   </a14:hiddenFill>
                 </a:ext>
                 <a:ext uri="{91240B29-F687-4f45-9708-019B960494DF}">
-                  <a14:hiddenLine xmlns:a14="http://schemas.microsoft.com/office/drawing/2010/main" xmlns="" w="9525">
+                  <a14:hiddenLine xmlns="" xmlns:a14="http://schemas.microsoft.com/office/drawing/2010/main" w="9525">
                     <a:solidFill>
                       <a:srgbClr val="000000"/>
                     </a:solidFill>
@@ -26045,14 +26087,14 @@
               </a:ln>
               <a:extLst>
                 <a:ext uri="{909E8E84-426E-40dd-AFC4-6F175D3DCCD1}">
-                  <a14:hiddenFill xmlns:a14="http://schemas.microsoft.com/office/drawing/2010/main" xmlns="">
+                  <a14:hiddenFill xmlns="" xmlns:a14="http://schemas.microsoft.com/office/drawing/2010/main">
                     <a:solidFill>
                       <a:srgbClr val="FFFFFF"/>
                     </a:solidFill>
                   </a14:hiddenFill>
                 </a:ext>
                 <a:ext uri="{91240B29-F687-4f45-9708-019B960494DF}">
-                  <a14:hiddenLine xmlns:a14="http://schemas.microsoft.com/office/drawing/2010/main" xmlns="" w="9525">
+                  <a14:hiddenLine xmlns="" xmlns:a14="http://schemas.microsoft.com/office/drawing/2010/main" w="9525">
                     <a:solidFill>
                       <a:srgbClr val="000000"/>
                     </a:solidFill>
@@ -26220,7 +26262,7 @@
               </a:ln>
               <a:extLst>
                 <a:ext uri="{909E8E84-426E-40dd-AFC4-6F175D3DCCD1}">
-                  <a14:hiddenFill xmlns:a14="http://schemas.microsoft.com/office/drawing/2010/main" xmlns="">
+                  <a14:hiddenFill xmlns="" xmlns:a14="http://schemas.microsoft.com/office/drawing/2010/main">
                     <a:noFill/>
                   </a14:hiddenFill>
                 </a:ext>
@@ -26271,7 +26313,7 @@
               </a:ln>
               <a:extLst>
                 <a:ext uri="{909E8E84-426E-40dd-AFC4-6F175D3DCCD1}">
-                  <a14:hiddenFill xmlns:a14="http://schemas.microsoft.com/office/drawing/2010/main" xmlns="">
+                  <a14:hiddenFill xmlns="" xmlns:a14="http://schemas.microsoft.com/office/drawing/2010/main">
                     <a:noFill/>
                   </a14:hiddenFill>
                 </a:ext>
@@ -26322,7 +26364,7 @@
               </a:ln>
               <a:extLst>
                 <a:ext uri="{909E8E84-426E-40dd-AFC4-6F175D3DCCD1}">
-                  <a14:hiddenFill xmlns:a14="http://schemas.microsoft.com/office/drawing/2010/main" xmlns="">
+                  <a14:hiddenFill xmlns="" xmlns:a14="http://schemas.microsoft.com/office/drawing/2010/main">
                     <a:noFill/>
                   </a14:hiddenFill>
                 </a:ext>
@@ -26373,7 +26415,7 @@
               </a:ln>
               <a:extLst>
                 <a:ext uri="{909E8E84-426E-40dd-AFC4-6F175D3DCCD1}">
-                  <a14:hiddenFill xmlns:a14="http://schemas.microsoft.com/office/drawing/2010/main" xmlns="">
+                  <a14:hiddenFill xmlns="" xmlns:a14="http://schemas.microsoft.com/office/drawing/2010/main">
                     <a:noFill/>
                   </a14:hiddenFill>
                 </a:ext>
@@ -26424,7 +26466,7 @@
               </a:ln>
               <a:extLst>
                 <a:ext uri="{909E8E84-426E-40dd-AFC4-6F175D3DCCD1}">
-                  <a14:hiddenFill xmlns:a14="http://schemas.microsoft.com/office/drawing/2010/main" xmlns="">
+                  <a14:hiddenFill xmlns="" xmlns:a14="http://schemas.microsoft.com/office/drawing/2010/main">
                     <a:noFill/>
                   </a14:hiddenFill>
                 </a:ext>
@@ -26475,7 +26517,7 @@
               </a:ln>
               <a:extLst>
                 <a:ext uri="{909E8E84-426E-40dd-AFC4-6F175D3DCCD1}">
-                  <a14:hiddenFill xmlns:a14="http://schemas.microsoft.com/office/drawing/2010/main" xmlns="">
+                  <a14:hiddenFill xmlns="" xmlns:a14="http://schemas.microsoft.com/office/drawing/2010/main">
                     <a:noFill/>
                   </a14:hiddenFill>
                 </a:ext>
@@ -26520,14 +26562,14 @@
               </a:ln>
               <a:extLst>
                 <a:ext uri="{909E8E84-426E-40dd-AFC4-6F175D3DCCD1}">
-                  <a14:hiddenFill xmlns:a14="http://schemas.microsoft.com/office/drawing/2010/main" xmlns="">
+                  <a14:hiddenFill xmlns="" xmlns:a14="http://schemas.microsoft.com/office/drawing/2010/main">
                     <a:solidFill>
                       <a:srgbClr val="FFFFFF"/>
                     </a:solidFill>
                   </a14:hiddenFill>
                 </a:ext>
                 <a:ext uri="{91240B29-F687-4f45-9708-019B960494DF}">
-                  <a14:hiddenLine xmlns:a14="http://schemas.microsoft.com/office/drawing/2010/main" xmlns="" w="9525">
+                  <a14:hiddenLine xmlns="" xmlns:a14="http://schemas.microsoft.com/office/drawing/2010/main" w="9525">
                     <a:solidFill>
                       <a:srgbClr val="000000"/>
                     </a:solidFill>
@@ -27462,14 +27504,14 @@
               </a:ln>
               <a:extLst>
                 <a:ext uri="{909E8E84-426E-40dd-AFC4-6F175D3DCCD1}">
-                  <a14:hiddenFill xmlns:a14="http://schemas.microsoft.com/office/drawing/2010/main" xmlns="">
+                  <a14:hiddenFill xmlns="" xmlns:a14="http://schemas.microsoft.com/office/drawing/2010/main">
                     <a:solidFill>
                       <a:srgbClr val="FFFFFF"/>
                     </a:solidFill>
                   </a14:hiddenFill>
                 </a:ext>
                 <a:ext uri="{91240B29-F687-4f45-9708-019B960494DF}">
-                  <a14:hiddenLine xmlns:a14="http://schemas.microsoft.com/office/drawing/2010/main" xmlns="" w="9525">
+                  <a14:hiddenLine xmlns="" xmlns:a14="http://schemas.microsoft.com/office/drawing/2010/main" w="9525">
                     <a:solidFill>
                       <a:srgbClr val="000000"/>
                     </a:solidFill>
@@ -28917,7 +28959,7 @@
           <a:graphicData uri="http://schemas.openxmlformats.org/presentationml/2006/ole">
             <mc:AlternateContent xmlns:mc="http://schemas.openxmlformats.org/markup-compatibility/2006">
               <mc:Choice xmlns:v="urn:schemas-microsoft-com:vml" Requires="v">
-                <p:oleObj spid="_x0000_s40969" name="Equation" r:id="rId3" imgW="24574500" imgH="5270500" progId="Equation.3">
+                <p:oleObj spid="_x0000_s40971" name="Equation" r:id="rId3" imgW="24574500" imgH="5270500" progId="Equation.3">
                   <p:embed/>
                 </p:oleObj>
               </mc:Choice>
@@ -29024,7 +29066,7 @@
           <a:graphicData uri="http://schemas.openxmlformats.org/presentationml/2006/ole">
             <mc:AlternateContent xmlns:mc="http://schemas.openxmlformats.org/markup-compatibility/2006">
               <mc:Choice xmlns:v="urn:schemas-microsoft-com:vml" Requires="v">
-                <p:oleObj spid="_x0000_s40970" name="Equation" r:id="rId5" imgW="76657200" imgH="5270500" progId="Equation.3">
+                <p:oleObj spid="_x0000_s40972" name="Equation" r:id="rId5" imgW="76657200" imgH="5270500" progId="Equation.3">
                   <p:embed/>
                 </p:oleObj>
               </mc:Choice>
@@ -29266,7 +29308,7 @@
           <a:graphicData uri="http://schemas.openxmlformats.org/presentationml/2006/ole">
             <mc:AlternateContent xmlns:mc="http://schemas.openxmlformats.org/markup-compatibility/2006">
               <mc:Choice xmlns:v="urn:schemas-microsoft-com:vml" Requires="v">
-                <p:oleObj spid="_x0000_s41988" name="Equation" r:id="rId3" imgW="31305500" imgH="25450800" progId="Equation.3">
+                <p:oleObj spid="_x0000_s41989" name="Equation" r:id="rId3" imgW="31305500" imgH="25450800" progId="Equation.3">
                   <p:embed/>
                 </p:oleObj>
               </mc:Choice>
@@ -35035,7 +35077,7 @@
           <a:graphicData uri="http://schemas.openxmlformats.org/presentationml/2006/ole">
             <mc:AlternateContent xmlns:mc="http://schemas.openxmlformats.org/markup-compatibility/2006">
               <mc:Choice xmlns:v="urn:schemas-microsoft-com:vml" Requires="v">
-                <p:oleObj spid="_x0000_s45061" name="Ecuación" r:id="rId3" imgW="28092400" imgH="4102100" progId="Equation.3">
+                <p:oleObj spid="_x0000_s45062" name="Ecuación" r:id="rId3" imgW="28092400" imgH="4102100" progId="Equation.3">
                   <p:embed/>
                 </p:oleObj>
               </mc:Choice>
@@ -37060,7 +37102,7 @@
           </a:ln>
           <a:extLst>
             <a:ext uri="{909E8E84-426E-40dd-AFC4-6F175D3DCCD1}">
-              <a14:hiddenFill xmlns="" xmlns:a14="http://schemas.microsoft.com/office/drawing/2010/main">
+              <a14:hiddenFill xmlns:a14="http://schemas.microsoft.com/office/drawing/2010/main" xmlns="">
                 <a:solidFill>
                   <a:srgbClr val="FFFFFF"/>
                 </a:solidFill>
@@ -37766,14 +37808,14 @@
           </a:ln>
           <a:extLst>
             <a:ext uri="{909E8E84-426E-40dd-AFC4-6F175D3DCCD1}">
-              <a14:hiddenFill xmlns="" xmlns:a14="http://schemas.microsoft.com/office/drawing/2010/main">
+              <a14:hiddenFill xmlns:a14="http://schemas.microsoft.com/office/drawing/2010/main" xmlns="">
                 <a:solidFill>
                   <a:srgbClr val="FFFFFF"/>
                 </a:solidFill>
               </a14:hiddenFill>
             </a:ext>
             <a:ext uri="{91240B29-F687-4f45-9708-019B960494DF}">
-              <a14:hiddenLine xmlns="" xmlns:a14="http://schemas.microsoft.com/office/drawing/2010/main" w="9525">
+              <a14:hiddenLine xmlns:a14="http://schemas.microsoft.com/office/drawing/2010/main" xmlns="" w="9525">
                 <a:solidFill>
                   <a:srgbClr val="000000"/>
                 </a:solidFill>
@@ -37968,14 +38010,14 @@
           </a:ln>
           <a:extLst>
             <a:ext uri="{909E8E84-426E-40dd-AFC4-6F175D3DCCD1}">
-              <a14:hiddenFill xmlns="" xmlns:a14="http://schemas.microsoft.com/office/drawing/2010/main">
+              <a14:hiddenFill xmlns:a14="http://schemas.microsoft.com/office/drawing/2010/main" xmlns="">
                 <a:solidFill>
                   <a:srgbClr val="FFFFFF"/>
                 </a:solidFill>
               </a14:hiddenFill>
             </a:ext>
             <a:ext uri="{91240B29-F687-4f45-9708-019B960494DF}">
-              <a14:hiddenLine xmlns="" xmlns:a14="http://schemas.microsoft.com/office/drawing/2010/main" w="9525">
+              <a14:hiddenLine xmlns:a14="http://schemas.microsoft.com/office/drawing/2010/main" xmlns="" w="9525">
                 <a:solidFill>
                   <a:srgbClr val="000000"/>
                 </a:solidFill>
@@ -38022,14 +38064,14 @@
           </a:ln>
           <a:extLst>
             <a:ext uri="{909E8E84-426E-40dd-AFC4-6F175D3DCCD1}">
-              <a14:hiddenFill xmlns="" xmlns:a14="http://schemas.microsoft.com/office/drawing/2010/main">
+              <a14:hiddenFill xmlns:a14="http://schemas.microsoft.com/office/drawing/2010/main" xmlns="">
                 <a:solidFill>
                   <a:srgbClr val="FFFFFF"/>
                 </a:solidFill>
               </a14:hiddenFill>
             </a:ext>
             <a:ext uri="{91240B29-F687-4f45-9708-019B960494DF}">
-              <a14:hiddenLine xmlns="" xmlns:a14="http://schemas.microsoft.com/office/drawing/2010/main" w="9525">
+              <a14:hiddenLine xmlns:a14="http://schemas.microsoft.com/office/drawing/2010/main" xmlns="" w="9525">
                 <a:solidFill>
                   <a:srgbClr val="000000"/>
                 </a:solidFill>
@@ -39972,14 +40014,14 @@
           </a:ln>
           <a:extLst>
             <a:ext uri="{909E8E84-426E-40dd-AFC4-6F175D3DCCD1}">
-              <a14:hiddenFill xmlns:a14="http://schemas.microsoft.com/office/drawing/2010/main" xmlns="">
+              <a14:hiddenFill xmlns="" xmlns:a14="http://schemas.microsoft.com/office/drawing/2010/main">
                 <a:solidFill>
                   <a:srgbClr val="FFFFFF"/>
                 </a:solidFill>
               </a14:hiddenFill>
             </a:ext>
             <a:ext uri="{91240B29-F687-4f45-9708-019B960494DF}">
-              <a14:hiddenLine xmlns:a14="http://schemas.microsoft.com/office/drawing/2010/main" xmlns="" w="9525">
+              <a14:hiddenLine xmlns="" xmlns:a14="http://schemas.microsoft.com/office/drawing/2010/main" w="9525">
                 <a:solidFill>
                   <a:srgbClr val="000000"/>
                 </a:solidFill>
@@ -40060,14 +40102,14 @@
           </a:ln>
           <a:extLst>
             <a:ext uri="{909E8E84-426E-40dd-AFC4-6F175D3DCCD1}">
-              <a14:hiddenFill xmlns:a14="http://schemas.microsoft.com/office/drawing/2010/main" xmlns="">
+              <a14:hiddenFill xmlns="" xmlns:a14="http://schemas.microsoft.com/office/drawing/2010/main">
                 <a:solidFill>
                   <a:srgbClr val="FFFFFF"/>
                 </a:solidFill>
               </a14:hiddenFill>
             </a:ext>
             <a:ext uri="{91240B29-F687-4f45-9708-019B960494DF}">
-              <a14:hiddenLine xmlns:a14="http://schemas.microsoft.com/office/drawing/2010/main" xmlns="" w="9525">
+              <a14:hiddenLine xmlns="" xmlns:a14="http://schemas.microsoft.com/office/drawing/2010/main" w="9525">
                 <a:solidFill>
                   <a:srgbClr val="000000"/>
                 </a:solidFill>
@@ -40116,14 +40158,14 @@
           </a:ln>
           <a:extLst>
             <a:ext uri="{909E8E84-426E-40dd-AFC4-6F175D3DCCD1}">
-              <a14:hiddenFill xmlns:a14="http://schemas.microsoft.com/office/drawing/2010/main" xmlns="">
+              <a14:hiddenFill xmlns="" xmlns:a14="http://schemas.microsoft.com/office/drawing/2010/main">
                 <a:solidFill>
                   <a:srgbClr val="FFFFFF"/>
                 </a:solidFill>
               </a14:hiddenFill>
             </a:ext>
             <a:ext uri="{91240B29-F687-4f45-9708-019B960494DF}">
-              <a14:hiddenLine xmlns:a14="http://schemas.microsoft.com/office/drawing/2010/main" xmlns="" w="9525">
+              <a14:hiddenLine xmlns="" xmlns:a14="http://schemas.microsoft.com/office/drawing/2010/main" w="9525">
                 <a:solidFill>
                   <a:srgbClr val="000000"/>
                 </a:solidFill>
@@ -40186,14 +40228,14 @@
           </a:ln>
           <a:extLst>
             <a:ext uri="{909E8E84-426E-40dd-AFC4-6F175D3DCCD1}">
-              <a14:hiddenFill xmlns:a14="http://schemas.microsoft.com/office/drawing/2010/main" xmlns="">
+              <a14:hiddenFill xmlns="" xmlns:a14="http://schemas.microsoft.com/office/drawing/2010/main">
                 <a:solidFill>
                   <a:srgbClr val="FFFFFF"/>
                 </a:solidFill>
               </a14:hiddenFill>
             </a:ext>
             <a:ext uri="{91240B29-F687-4f45-9708-019B960494DF}">
-              <a14:hiddenLine xmlns:a14="http://schemas.microsoft.com/office/drawing/2010/main" xmlns="" w="9525">
+              <a14:hiddenLine xmlns="" xmlns:a14="http://schemas.microsoft.com/office/drawing/2010/main" w="9525">
                 <a:solidFill>
                   <a:srgbClr val="000000"/>
                 </a:solidFill>
@@ -40256,14 +40298,14 @@
           </a:ln>
           <a:extLst>
             <a:ext uri="{909E8E84-426E-40dd-AFC4-6F175D3DCCD1}">
-              <a14:hiddenFill xmlns:a14="http://schemas.microsoft.com/office/drawing/2010/main" xmlns="">
+              <a14:hiddenFill xmlns="" xmlns:a14="http://schemas.microsoft.com/office/drawing/2010/main">
                 <a:solidFill>
                   <a:srgbClr val="FFFFFF"/>
                 </a:solidFill>
               </a14:hiddenFill>
             </a:ext>
             <a:ext uri="{91240B29-F687-4f45-9708-019B960494DF}">
-              <a14:hiddenLine xmlns:a14="http://schemas.microsoft.com/office/drawing/2010/main" xmlns="" w="9525">
+              <a14:hiddenLine xmlns="" xmlns:a14="http://schemas.microsoft.com/office/drawing/2010/main" w="9525">
                 <a:solidFill>
                   <a:srgbClr val="000000"/>
                 </a:solidFill>
@@ -40340,14 +40382,14 @@
           </a:ln>
           <a:extLst>
             <a:ext uri="{909E8E84-426E-40dd-AFC4-6F175D3DCCD1}">
-              <a14:hiddenFill xmlns:a14="http://schemas.microsoft.com/office/drawing/2010/main" xmlns="">
+              <a14:hiddenFill xmlns="" xmlns:a14="http://schemas.microsoft.com/office/drawing/2010/main">
                 <a:solidFill>
                   <a:srgbClr val="FFFFFF"/>
                 </a:solidFill>
               </a14:hiddenFill>
             </a:ext>
             <a:ext uri="{91240B29-F687-4f45-9708-019B960494DF}">
-              <a14:hiddenLine xmlns:a14="http://schemas.microsoft.com/office/drawing/2010/main" xmlns="" w="9525">
+              <a14:hiddenLine xmlns="" xmlns:a14="http://schemas.microsoft.com/office/drawing/2010/main" w="9525">
                 <a:solidFill>
                   <a:srgbClr val="000000"/>
                 </a:solidFill>
